--- a/竞网ppt模板.pptx
+++ b/竞网ppt模板.pptx
@@ -5,7 +5,7 @@
     <p:sldMasterId id="2147483648" r:id="rId1"/>
   </p:sldMasterIdLst>
   <p:notesMasterIdLst>
-    <p:notesMasterId r:id="rId11"/>
+    <p:notesMasterId r:id="rId12"/>
   </p:notesMasterIdLst>
   <p:sldIdLst>
     <p:sldId id="256" r:id="rId2"/>
@@ -16,7 +16,8 @@
     <p:sldId id="265" r:id="rId7"/>
     <p:sldId id="263" r:id="rId8"/>
     <p:sldId id="266" r:id="rId9"/>
-    <p:sldId id="259" r:id="rId10"/>
+    <p:sldId id="267" r:id="rId10"/>
+    <p:sldId id="259" r:id="rId11"/>
   </p:sldIdLst>
   <p:sldSz cx="9144000" cy="5713413"/>
   <p:notesSz cx="6858000" cy="9144000"/>
@@ -200,7 +201,8 @@
           <a:p>
             <a:fld id="{C99E9784-BC1A-4B45-8E8D-823ADA9C8BE2}" type="datetimeFigureOut">
               <a:rPr lang="zh-CN" altLang="en-US" smtClean="0"/>
-              <a:t>2017/5/18</a:t>
+              <a:pPr/>
+              <a:t>2017/5/19</a:t>
             </a:fld>
             <a:endParaRPr lang="zh-CN" altLang="en-US"/>
           </a:p>
@@ -361,6 +363,7 @@
           <a:p>
             <a:fld id="{09E08B06-8187-4A38-9D18-7E86B7680DFF}" type="slidenum">
               <a:rPr lang="zh-CN" altLang="en-US" smtClean="0"/>
+              <a:pPr/>
               <a:t>‹#›</a:t>
             </a:fld>
             <a:endParaRPr lang="zh-CN" altLang="en-US"/>
@@ -532,6 +535,7 @@
           <a:p>
             <a:fld id="{09E08B06-8187-4A38-9D18-7E86B7680DFF}" type="slidenum">
               <a:rPr lang="zh-CN" altLang="en-US" smtClean="0"/>
+              <a:pPr/>
               <a:t>3</a:t>
             </a:fld>
             <a:endParaRPr lang="zh-CN" altLang="en-US"/>
@@ -613,6 +617,7 @@
           <a:p>
             <a:fld id="{09E08B06-8187-4A38-9D18-7E86B7680DFF}" type="slidenum">
               <a:rPr lang="zh-CN" altLang="en-US" smtClean="0"/>
+              <a:pPr/>
               <a:t>4</a:t>
             </a:fld>
             <a:endParaRPr lang="zh-CN" altLang="en-US"/>
@@ -694,6 +699,7 @@
           <a:p>
             <a:fld id="{09E08B06-8187-4A38-9D18-7E86B7680DFF}" type="slidenum">
               <a:rPr lang="zh-CN" altLang="en-US" smtClean="0"/>
+              <a:pPr/>
               <a:t>5</a:t>
             </a:fld>
             <a:endParaRPr lang="zh-CN" altLang="en-US"/>
@@ -775,6 +781,7 @@
           <a:p>
             <a:fld id="{09E08B06-8187-4A38-9D18-7E86B7680DFF}" type="slidenum">
               <a:rPr lang="zh-CN" altLang="en-US" smtClean="0"/>
+              <a:pPr/>
               <a:t>7</a:t>
             </a:fld>
             <a:endParaRPr lang="zh-CN" altLang="en-US"/>
@@ -971,7 +978,7 @@
             <a:fld id="{530820CF-B880-4189-942D-D702A7CBA730}" type="datetimeFigureOut">
               <a:rPr lang="zh-CN" altLang="en-US" smtClean="0"/>
               <a:pPr/>
-              <a:t>2017/5/18</a:t>
+              <a:t>2017/5/19</a:t>
             </a:fld>
             <a:endParaRPr lang="zh-CN" altLang="en-US"/>
           </a:p>
@@ -1138,7 +1145,7 @@
             <a:fld id="{530820CF-B880-4189-942D-D702A7CBA730}" type="datetimeFigureOut">
               <a:rPr lang="zh-CN" altLang="en-US" smtClean="0"/>
               <a:pPr/>
-              <a:t>2017/5/18</a:t>
+              <a:t>2017/5/19</a:t>
             </a:fld>
             <a:endParaRPr lang="zh-CN" altLang="en-US"/>
           </a:p>
@@ -1315,7 +1322,7 @@
             <a:fld id="{530820CF-B880-4189-942D-D702A7CBA730}" type="datetimeFigureOut">
               <a:rPr lang="zh-CN" altLang="en-US" smtClean="0"/>
               <a:pPr/>
-              <a:t>2017/5/18</a:t>
+              <a:t>2017/5/19</a:t>
             </a:fld>
             <a:endParaRPr lang="zh-CN" altLang="en-US"/>
           </a:p>
@@ -1482,7 +1489,7 @@
             <a:fld id="{530820CF-B880-4189-942D-D702A7CBA730}" type="datetimeFigureOut">
               <a:rPr lang="zh-CN" altLang="en-US" smtClean="0"/>
               <a:pPr/>
-              <a:t>2017/5/18</a:t>
+              <a:t>2017/5/19</a:t>
             </a:fld>
             <a:endParaRPr lang="zh-CN" altLang="en-US"/>
           </a:p>
@@ -1725,7 +1732,7 @@
             <a:fld id="{530820CF-B880-4189-942D-D702A7CBA730}" type="datetimeFigureOut">
               <a:rPr lang="zh-CN" altLang="en-US" smtClean="0"/>
               <a:pPr/>
-              <a:t>2017/5/18</a:t>
+              <a:t>2017/5/19</a:t>
             </a:fld>
             <a:endParaRPr lang="zh-CN" altLang="en-US"/>
           </a:p>
@@ -2010,7 +2017,7 @@
             <a:fld id="{530820CF-B880-4189-942D-D702A7CBA730}" type="datetimeFigureOut">
               <a:rPr lang="zh-CN" altLang="en-US" smtClean="0"/>
               <a:pPr/>
-              <a:t>2017/5/18</a:t>
+              <a:t>2017/5/19</a:t>
             </a:fld>
             <a:endParaRPr lang="zh-CN" altLang="en-US"/>
           </a:p>
@@ -2429,7 +2436,7 @@
             <a:fld id="{530820CF-B880-4189-942D-D702A7CBA730}" type="datetimeFigureOut">
               <a:rPr lang="zh-CN" altLang="en-US" smtClean="0"/>
               <a:pPr/>
-              <a:t>2017/5/18</a:t>
+              <a:t>2017/5/19</a:t>
             </a:fld>
             <a:endParaRPr lang="zh-CN" altLang="en-US"/>
           </a:p>
@@ -2544,7 +2551,7 @@
             <a:fld id="{530820CF-B880-4189-942D-D702A7CBA730}" type="datetimeFigureOut">
               <a:rPr lang="zh-CN" altLang="en-US" smtClean="0"/>
               <a:pPr/>
-              <a:t>2017/5/18</a:t>
+              <a:t>2017/5/19</a:t>
             </a:fld>
             <a:endParaRPr lang="zh-CN" altLang="en-US"/>
           </a:p>
@@ -2636,7 +2643,7 @@
             <a:fld id="{530820CF-B880-4189-942D-D702A7CBA730}" type="datetimeFigureOut">
               <a:rPr lang="zh-CN" altLang="en-US" smtClean="0"/>
               <a:pPr/>
-              <a:t>2017/5/18</a:t>
+              <a:t>2017/5/19</a:t>
             </a:fld>
             <a:endParaRPr lang="zh-CN" altLang="en-US"/>
           </a:p>
@@ -2910,7 +2917,7 @@
             <a:fld id="{530820CF-B880-4189-942D-D702A7CBA730}" type="datetimeFigureOut">
               <a:rPr lang="zh-CN" altLang="en-US" smtClean="0"/>
               <a:pPr/>
-              <a:t>2017/5/18</a:t>
+              <a:t>2017/5/19</a:t>
             </a:fld>
             <a:endParaRPr lang="zh-CN" altLang="en-US"/>
           </a:p>
@@ -3160,7 +3167,7 @@
             <a:fld id="{530820CF-B880-4189-942D-D702A7CBA730}" type="datetimeFigureOut">
               <a:rPr lang="zh-CN" altLang="en-US" smtClean="0"/>
               <a:pPr/>
-              <a:t>2017/5/18</a:t>
+              <a:t>2017/5/19</a:t>
             </a:fld>
             <a:endParaRPr lang="zh-CN" altLang="en-US"/>
           </a:p>
@@ -3379,7 +3386,7 @@
             <a:fld id="{530820CF-B880-4189-942D-D702A7CBA730}" type="datetimeFigureOut">
               <a:rPr lang="zh-CN" altLang="en-US" smtClean="0"/>
               <a:pPr/>
-              <a:t>2017/5/18</a:t>
+              <a:t>2017/5/19</a:t>
             </a:fld>
             <a:endParaRPr lang="zh-CN" altLang="en-US"/>
           </a:p>
@@ -4017,6 +4024,62 @@
 </p:sld>
 </file>
 
+<file path=ppt/slides/slide10.xml><?xml version="1.0" encoding="utf-8"?>
+<p:sld xmlns:a="http://schemas.openxmlformats.org/drawingml/2006/main" xmlns:r="http://schemas.openxmlformats.org/officeDocument/2006/relationships" xmlns:p="http://schemas.openxmlformats.org/presentationml/2006/main">
+  <p:cSld>
+    <p:spTree>
+      <p:nvGrpSpPr>
+        <p:cNvPr id="1" name=""/>
+        <p:cNvGrpSpPr/>
+        <p:nvPr/>
+      </p:nvGrpSpPr>
+      <p:grpSpPr>
+        <a:xfrm>
+          <a:off x="0" y="0"/>
+          <a:ext cx="0" cy="0"/>
+          <a:chOff x="0" y="0"/>
+          <a:chExt cx="0" cy="0"/>
+        </a:xfrm>
+      </p:grpSpPr>
+      <p:pic>
+        <p:nvPicPr>
+          <p:cNvPr id="6" name="图片 5" descr="未标题-2.jpg"/>
+          <p:cNvPicPr>
+            <a:picLocks noChangeAspect="1"/>
+          </p:cNvPicPr>
+          <p:nvPr/>
+        </p:nvPicPr>
+        <p:blipFill>
+          <a:blip r:embed="rId2" cstate="print"/>
+          <a:stretch>
+            <a:fillRect/>
+          </a:stretch>
+        </p:blipFill>
+        <p:spPr>
+          <a:xfrm>
+            <a:off x="0" y="730"/>
+            <a:ext cx="9144000" cy="5711952"/>
+          </a:xfrm>
+          <a:prstGeom prst="rect">
+            <a:avLst/>
+          </a:prstGeom>
+        </p:spPr>
+      </p:pic>
+    </p:spTree>
+  </p:cSld>
+  <p:clrMapOvr>
+    <a:masterClrMapping/>
+  </p:clrMapOvr>
+  <p:timing>
+    <p:tnLst>
+      <p:par>
+        <p:cTn id="1" dur="indefinite" restart="never" nodeType="tmRoot"/>
+      </p:par>
+    </p:tnLst>
+  </p:timing>
+</p:sld>
+</file>
+
 <file path=ppt/slides/slide2.xml><?xml version="1.0" encoding="utf-8"?>
 <p:sld xmlns:a="http://schemas.openxmlformats.org/drawingml/2006/main" xmlns:r="http://schemas.openxmlformats.org/officeDocument/2006/relationships" xmlns:p="http://schemas.openxmlformats.org/presentationml/2006/main">
   <p:cSld>
@@ -4051,11 +4114,7 @@
           <a:p>
             <a:r>
               <a:rPr lang="zh-CN" altLang="en-US" dirty="0" smtClean="0"/>
-              <a:t>前端架构</a:t>
-            </a:r>
-            <a:r>
-              <a:rPr lang="zh-CN" altLang="en-US" dirty="0" smtClean="0"/>
-              <a:t>演进</a:t>
+              <a:t>前端架构演进</a:t>
             </a:r>
             <a:endParaRPr lang="zh-CN" altLang="en-US" dirty="0"/>
           </a:p>
@@ -4208,7 +4267,7 @@
         <p:spPr>
           <a:xfrm>
             <a:off x="714348" y="999318"/>
-            <a:ext cx="7215238" cy="1200329"/>
+            <a:ext cx="7215238" cy="2031325"/>
           </a:xfrm>
           <a:prstGeom prst="rect">
             <a:avLst/>
@@ -4222,8 +4281,47 @@
           <a:lstStyle/>
           <a:p>
             <a:r>
+              <a:rPr lang="zh-CN" altLang="en-US" dirty="0" smtClean="0"/>
+              <a:t>  </a:t>
+            </a:r>
+            <a:r>
+              <a:rPr lang="zh-CN" altLang="en-US" dirty="0" smtClean="0"/>
+              <a:t>   做</a:t>
+            </a:r>
+            <a:r>
+              <a:rPr lang="zh-CN" altLang="en-US" dirty="0" smtClean="0"/>
+              <a:t>客户端开发、前端开发对</a:t>
+            </a:r>
+            <a:r>
               <a:rPr lang="en-US" altLang="zh-CN" dirty="0" smtClean="0"/>
-              <a:t> </a:t>
+              <a:t>MVC</a:t>
+            </a:r>
+            <a:r>
+              <a:rPr lang="zh-CN" altLang="en-US" dirty="0" smtClean="0"/>
+              <a:t>、</a:t>
+            </a:r>
+            <a:r>
+              <a:rPr lang="en-US" altLang="zh-CN" dirty="0" smtClean="0"/>
+              <a:t>MVP</a:t>
+            </a:r>
+            <a:r>
+              <a:rPr lang="zh-CN" altLang="en-US" dirty="0" smtClean="0"/>
+              <a:t>、</a:t>
+            </a:r>
+            <a:r>
+              <a:rPr lang="en-US" altLang="zh-CN" dirty="0" smtClean="0"/>
+              <a:t>MVVM</a:t>
+            </a:r>
+            <a:r>
+              <a:rPr lang="zh-CN" altLang="en-US" dirty="0" smtClean="0"/>
+              <a:t>这些名词不了解也应该大致听过，都是为了解决图形界面应用程序复杂性管理问题而产生的应用架构模式。</a:t>
+            </a:r>
+            <a:endParaRPr lang="en-US" altLang="zh-CN" dirty="0" smtClean="0"/>
+          </a:p>
+          <a:p>
+            <a:r>
+              <a:rPr lang="en-US" altLang="zh-CN" dirty="0" smtClean="0"/>
+              <a:t>     </a:t>
             </a:r>
             <a:r>
               <a:rPr lang="zh-CN" altLang="en-US" dirty="0" smtClean="0"/>
@@ -4231,11 +4329,7 @@
             </a:r>
             <a:r>
               <a:rPr lang="zh-CN" altLang="en-US" dirty="0" smtClean="0"/>
-              <a:t>开发应用程序的时候，以求更好的管理应用程序的</a:t>
-            </a:r>
-            <a:r>
-              <a:rPr lang="zh-CN" altLang="en-US" dirty="0" smtClean="0"/>
-              <a:t>复杂性，基于职责分离（</a:t>
+              <a:t>开发应用程序的时候，以求更好的管理应用程序的复杂性，基于职责分离（</a:t>
             </a:r>
             <a:r>
               <a:rPr lang="en-US" altLang="zh-CN" dirty="0" err="1" smtClean="0"/>
@@ -4247,26 +4341,42 @@
             </a:r>
             <a:r>
               <a:rPr lang="zh-CN" altLang="en-US" dirty="0" smtClean="0"/>
-              <a:t>）的思想都会对应用程序进行分层。在开发</a:t>
+              <a:t>）的思想都会对应用程序进行分层。在开发图形界面应用程序的时候，会把</a:t>
+            </a:r>
+            <a:r>
+              <a:rPr lang="zh-CN" altLang="en-US" dirty="0" smtClean="0">
+                <a:solidFill>
+                  <a:srgbClr val="FF0000"/>
+                </a:solidFill>
+              </a:rPr>
+              <a:t>管理用户界面的层次称为</a:t>
+            </a:r>
+            <a:r>
+              <a:rPr lang="en-US" altLang="zh-CN" dirty="0" smtClean="0">
+                <a:solidFill>
+                  <a:srgbClr val="FF0000"/>
+                </a:solidFill>
+              </a:rPr>
+              <a:t>View</a:t>
             </a:r>
             <a:r>
               <a:rPr lang="zh-CN" altLang="en-US" dirty="0" smtClean="0"/>
-              <a:t>图形界面应用程序的时候，会把管理用户界面的层次称为</a:t>
-            </a:r>
-            <a:r>
-              <a:rPr lang="en-US" altLang="zh-CN" dirty="0" smtClean="0"/>
-              <a:t>View</a:t>
-            </a:r>
-            <a:r>
-              <a:rPr lang="zh-CN" altLang="en-US" dirty="0" smtClean="0"/>
-              <a:t>，应用程序</a:t>
-            </a:r>
-            <a:r>
-              <a:rPr lang="zh-CN" altLang="en-US" dirty="0" smtClean="0"/>
-              <a:t>的数据为</a:t>
-            </a:r>
-            <a:r>
-              <a:rPr lang="en-US" altLang="zh-CN" dirty="0" smtClean="0"/>
+              <a:t>，</a:t>
+            </a:r>
+            <a:r>
+              <a:rPr lang="zh-CN" altLang="en-US" dirty="0" smtClean="0">
+                <a:solidFill>
+                  <a:srgbClr val="FF0000"/>
+                </a:solidFill>
+              </a:rPr>
+              <a:t>应用程序的数据为</a:t>
+            </a:r>
+            <a:r>
+              <a:rPr lang="en-US" altLang="zh-CN" dirty="0" smtClean="0">
+                <a:solidFill>
+                  <a:srgbClr val="FF0000"/>
+                </a:solidFill>
+              </a:rPr>
               <a:t>Model</a:t>
             </a:r>
             <a:r>
@@ -4653,6 +4763,92 @@
           </a:p>
         </p:txBody>
       </p:sp>
+      <p:sp>
+        <p:nvSpPr>
+          <p:cNvPr id="8" name="TextBox 7"/>
+          <p:cNvSpPr txBox="1"/>
+          <p:nvPr/>
+        </p:nvSpPr>
+        <p:spPr>
+          <a:xfrm>
+            <a:off x="571472" y="4356904"/>
+            <a:ext cx="8358246" cy="646331"/>
+          </a:xfrm>
+          <a:prstGeom prst="rect">
+            <a:avLst/>
+          </a:prstGeom>
+          <a:noFill/>
+        </p:spPr>
+        <p:txBody>
+          <a:bodyPr wrap="square" rtlCol="0">
+            <a:spAutoFit/>
+          </a:bodyPr>
+          <a:lstStyle/>
+          <a:p>
+            <a:r>
+              <a:rPr lang="zh-CN" altLang="en-US" dirty="0" smtClean="0"/>
+              <a:t>  </a:t>
+            </a:r>
+            <a:r>
+              <a:rPr lang="en-US" altLang="zh-CN" dirty="0" smtClean="0"/>
+              <a:t>MVC</a:t>
+            </a:r>
+            <a:r>
+              <a:rPr lang="zh-CN" altLang="en-US" dirty="0" smtClean="0"/>
+              <a:t>出了把应用程序分成</a:t>
+            </a:r>
+            <a:r>
+              <a:rPr lang="en-US" altLang="zh-CN" dirty="0" smtClean="0"/>
+              <a:t>View</a:t>
+            </a:r>
+            <a:r>
+              <a:rPr lang="zh-CN" altLang="en-US" dirty="0" smtClean="0"/>
+              <a:t>、</a:t>
+            </a:r>
+            <a:r>
+              <a:rPr lang="en-US" altLang="zh-CN" dirty="0" smtClean="0"/>
+              <a:t>Model</a:t>
+            </a:r>
+            <a:r>
+              <a:rPr lang="zh-CN" altLang="en-US" dirty="0" smtClean="0"/>
+              <a:t>层，还额外的加了一个</a:t>
+            </a:r>
+            <a:r>
+              <a:rPr lang="en-US" altLang="zh-CN" dirty="0" smtClean="0">
+                <a:solidFill>
+                  <a:srgbClr val="FF0000"/>
+                </a:solidFill>
+              </a:rPr>
+              <a:t>Controller</a:t>
+            </a:r>
+            <a:r>
+              <a:rPr lang="zh-CN" altLang="en-US" dirty="0" smtClean="0">
+                <a:solidFill>
+                  <a:srgbClr val="FF0000"/>
+                </a:solidFill>
+              </a:rPr>
+              <a:t>层</a:t>
+            </a:r>
+            <a:r>
+              <a:rPr lang="zh-CN" altLang="en-US" dirty="0" smtClean="0"/>
+              <a:t>，它的职责就是专门管理应用程序的</a:t>
+            </a:r>
+            <a:r>
+              <a:rPr lang="zh-CN" altLang="en-US" dirty="0" smtClean="0">
+                <a:solidFill>
+                  <a:srgbClr val="FF0000"/>
+                </a:solidFill>
+              </a:rPr>
+              <a:t>业务逻辑</a:t>
+            </a:r>
+            <a:r>
+              <a:rPr lang="zh-CN" altLang="en-US" dirty="0" smtClean="0"/>
+              <a:t>。</a:t>
+            </a:r>
+            <a:endParaRPr lang="zh-CN" altLang="en-US" dirty="0"/>
+          </a:p>
+        </p:txBody>
+      </p:sp>
     </p:spTree>
   </p:cSld>
   <p:clrMapOvr>
@@ -4810,11 +5006,7 @@
             </a:r>
             <a:r>
               <a:rPr lang="zh-CN" altLang="en-US" sz="1600" dirty="0" smtClean="0"/>
-              <a:t>观察者模式可以做到多视图同时</a:t>
-            </a:r>
-            <a:r>
-              <a:rPr lang="zh-CN" altLang="en-US" sz="1600" dirty="0" smtClean="0"/>
-              <a:t>更新</a:t>
+              <a:t>观察者模式可以做到多视图同时更新</a:t>
             </a:r>
             <a:endParaRPr lang="zh-CN" altLang="en-US" sz="1600" dirty="0"/>
           </a:p>
@@ -4890,15 +5082,7 @@
             </a:r>
             <a:r>
               <a:rPr lang="zh-CN" altLang="en-US" sz="1600" dirty="0" smtClean="0"/>
-              <a:t>的环境下运行</a:t>
-            </a:r>
-            <a:r>
-              <a:rPr lang="zh-CN" altLang="en-US" sz="1600" dirty="0" smtClean="0"/>
-              <a:t>。在</a:t>
-            </a:r>
-            <a:r>
-              <a:rPr lang="zh-CN" altLang="en-US" sz="1600" dirty="0" smtClean="0"/>
-              <a:t>没有</a:t>
+              <a:t>的环境下运行。在没有</a:t>
             </a:r>
             <a:r>
               <a:rPr lang="en-US" altLang="zh-CN" sz="1600" dirty="0" smtClean="0"/>
@@ -4922,11 +5106,7 @@
             </a:r>
             <a:r>
               <a:rPr lang="zh-CN" altLang="en-US" sz="1600" dirty="0" smtClean="0"/>
-              <a:t>业务逻辑的正确性是无法验证的</a:t>
-            </a:r>
-            <a:r>
-              <a:rPr lang="zh-CN" altLang="en-US" sz="1600" dirty="0" smtClean="0"/>
-              <a:t>：</a:t>
+              <a:t>业务逻辑的正确性是无法验证的：</a:t>
             </a:r>
             <a:endParaRPr lang="en-US" altLang="zh-CN" sz="1600" dirty="0" smtClean="0"/>
           </a:p>
@@ -4967,11 +5147,7 @@
             </a:r>
             <a:r>
               <a:rPr lang="zh-CN" altLang="en-US" sz="1600" dirty="0" smtClean="0"/>
-              <a:t>无法组件</a:t>
-            </a:r>
-            <a:r>
-              <a:rPr lang="zh-CN" altLang="en-US" sz="1600" dirty="0" smtClean="0"/>
-              <a:t>化。</a:t>
+              <a:t>无法组件化。</a:t>
             </a:r>
             <a:r>
               <a:rPr lang="en-US" altLang="zh-CN" sz="1600" dirty="0" smtClean="0"/>
@@ -4995,22 +5171,14 @@
             </a:r>
             <a:r>
               <a:rPr lang="zh-CN" altLang="en-US" sz="1600" dirty="0" smtClean="0"/>
-              <a:t>抽出来作为一个另外一个应用程序可复用的组件就困难了</a:t>
-            </a:r>
-            <a:r>
-              <a:rPr lang="zh-CN" altLang="en-US" sz="1600" dirty="0" smtClean="0"/>
-              <a:t>。</a:t>
+              <a:t>抽出来作为一个另外一个应用程序可复用的组件就困难了。</a:t>
             </a:r>
             <a:endParaRPr lang="en-US" altLang="zh-CN" sz="1600" dirty="0" smtClean="0"/>
           </a:p>
           <a:p>
             <a:r>
               <a:rPr lang="zh-CN" altLang="en-US" sz="1600" dirty="0" smtClean="0"/>
-              <a:t>因为</a:t>
-            </a:r>
-            <a:r>
-              <a:rPr lang="zh-CN" altLang="en-US" sz="1600" dirty="0" smtClean="0"/>
-              <a:t>不同程序的的</a:t>
+              <a:t>因为不同程序的的</a:t>
             </a:r>
             <a:r>
               <a:rPr lang="en-US" altLang="zh-CN" sz="1600" dirty="0" smtClean="0"/>
@@ -5018,11 +5186,7 @@
             </a:r>
             <a:r>
               <a:rPr lang="zh-CN" altLang="en-US" sz="1600" dirty="0" smtClean="0"/>
-              <a:t>是不一样</a:t>
-            </a:r>
-            <a:r>
-              <a:rPr lang="zh-CN" altLang="en-US" sz="1600" dirty="0" smtClean="0"/>
-              <a:t>的</a:t>
+              <a:t>是不一样的</a:t>
             </a:r>
             <a:endParaRPr lang="zh-CN" altLang="en-US" dirty="0"/>
           </a:p>
@@ -5202,6 +5366,48 @@
           <a:noFill/>
         </p:spPr>
       </p:pic>
+      <p:sp>
+        <p:nvSpPr>
+          <p:cNvPr id="9" name="TextBox 8"/>
+          <p:cNvSpPr txBox="1"/>
+          <p:nvPr/>
+        </p:nvSpPr>
+        <p:spPr>
+          <a:xfrm>
+            <a:off x="857224" y="4214028"/>
+            <a:ext cx="3159391" cy="369332"/>
+          </a:xfrm>
+          <a:prstGeom prst="rect">
+            <a:avLst/>
+          </a:prstGeom>
+          <a:noFill/>
+        </p:spPr>
+        <p:txBody>
+          <a:bodyPr wrap="none" rtlCol="0">
+            <a:spAutoFit/>
+          </a:bodyPr>
+          <a:lstStyle/>
+          <a:p>
+            <a:r>
+              <a:rPr lang="en-US" dirty="0" smtClean="0"/>
+              <a:t>MVP</a:t>
+            </a:r>
+            <a:r>
+              <a:rPr lang="zh-CN" altLang="en-US" dirty="0" smtClean="0"/>
+              <a:t>模式是</a:t>
+            </a:r>
+            <a:r>
+              <a:rPr lang="en-US" dirty="0" smtClean="0"/>
+              <a:t>MVC</a:t>
+            </a:r>
+            <a:r>
+              <a:rPr lang="zh-CN" altLang="en-US" dirty="0" smtClean="0"/>
+              <a:t>模式的改良。</a:t>
+            </a:r>
+            <a:endParaRPr lang="zh-CN" altLang="en-US" dirty="0"/>
+          </a:p>
+        </p:txBody>
+      </p:sp>
     </p:spTree>
   </p:cSld>
   <p:clrMapOvr>
@@ -5478,8 +5684,8 @@
         </p:nvSpPr>
         <p:spPr>
           <a:xfrm>
-            <a:off x="428596" y="3142458"/>
-            <a:ext cx="8715404" cy="1138773"/>
+            <a:off x="642910" y="3142458"/>
+            <a:ext cx="8358246" cy="1077218"/>
           </a:xfrm>
           <a:prstGeom prst="rect">
             <a:avLst/>
@@ -5493,10 +5699,6 @@
           <a:lstStyle/>
           <a:p>
             <a:r>
-              <a:rPr lang="zh-CN" altLang="en-US" dirty="0" smtClean="0"/>
-              <a:t>    </a:t>
-            </a:r>
-            <a:r>
               <a:rPr lang="zh-CN" altLang="en-US" sz="1600" b="1" dirty="0" smtClean="0"/>
               <a:t>缺点</a:t>
             </a:r>
@@ -5508,15 +5710,15 @@
           <a:p>
             <a:r>
               <a:rPr lang="zh-CN" altLang="en-US" sz="1600" dirty="0" smtClean="0"/>
-              <a:t>     </a:t>
-            </a:r>
-            <a:r>
-              <a:rPr lang="zh-CN" altLang="en-US" sz="1600" dirty="0" smtClean="0"/>
-              <a:t> </a:t>
+              <a:t>    </a:t>
+            </a:r>
+            <a:r>
+              <a:rPr lang="zh-CN" altLang="en-US" sz="1600" dirty="0" smtClean="0"/>
+              <a:t> </a:t>
             </a:r>
             <a:r>
               <a:rPr lang="en-US" sz="1600" dirty="0" smtClean="0"/>
-              <a:t> Presenter</a:t>
+              <a:t>Presenter</a:t>
             </a:r>
             <a:r>
               <a:rPr lang="zh-CN" altLang="en-US" sz="1600" dirty="0" smtClean="0"/>
@@ -5804,7 +6006,7 @@
         </p:nvSpPr>
         <p:spPr>
           <a:xfrm>
-            <a:off x="571472" y="999318"/>
+            <a:off x="571472" y="713566"/>
             <a:ext cx="8572528" cy="1569660"/>
           </a:xfrm>
           <a:prstGeom prst="rect">
@@ -5924,7 +6126,7 @@
         </p:nvSpPr>
         <p:spPr>
           <a:xfrm>
-            <a:off x="428596" y="2499517"/>
+            <a:off x="571472" y="2070888"/>
             <a:ext cx="8715404" cy="1384995"/>
           </a:xfrm>
           <a:prstGeom prst="rect">
@@ -5939,10 +6141,6 @@
           <a:lstStyle/>
           <a:p>
             <a:r>
-              <a:rPr lang="zh-CN" altLang="en-US" dirty="0" smtClean="0"/>
-              <a:t>    </a:t>
-            </a:r>
-            <a:r>
               <a:rPr lang="zh-CN" altLang="en-US" sz="1600" b="1" dirty="0" smtClean="0"/>
               <a:t>缺点</a:t>
             </a:r>
@@ -5954,7 +6152,15 @@
           <a:p>
             <a:r>
               <a:rPr lang="zh-CN" altLang="en-US" sz="1600" dirty="0" smtClean="0"/>
-              <a:t>        过于简单的图形界面不适用，或说牛刀杀鸡。</a:t>
+              <a:t>      </a:t>
+            </a:r>
+            <a:r>
+              <a:rPr lang="zh-CN" altLang="en-US" sz="1600" dirty="0" smtClean="0"/>
+              <a:t>过于</a:t>
+            </a:r>
+            <a:r>
+              <a:rPr lang="zh-CN" altLang="en-US" sz="1600" dirty="0" smtClean="0"/>
+              <a:t>简单的图形界面不适用，或说牛刀杀鸡。</a:t>
             </a:r>
           </a:p>
           <a:p>
@@ -5995,6 +6201,192 @@
           </a:p>
           <a:p>
             <a:endParaRPr lang="zh-CN" altLang="en-US" dirty="0"/>
+          </a:p>
+        </p:txBody>
+      </p:sp>
+      <p:sp>
+        <p:nvSpPr>
+          <p:cNvPr id="7" name="TextBox 6"/>
+          <p:cNvSpPr txBox="1"/>
+          <p:nvPr/>
+        </p:nvSpPr>
+        <p:spPr>
+          <a:xfrm>
+            <a:off x="571472" y="3285334"/>
+            <a:ext cx="8072494" cy="1384995"/>
+          </a:xfrm>
+          <a:prstGeom prst="rect">
+            <a:avLst/>
+          </a:prstGeom>
+          <a:noFill/>
+        </p:spPr>
+        <p:txBody>
+          <a:bodyPr wrap="square" rtlCol="0">
+            <a:spAutoFit/>
+          </a:bodyPr>
+          <a:lstStyle/>
+          <a:p>
+            <a:r>
+              <a:rPr lang="en-US" altLang="zh-CN" sz="1400" dirty="0" smtClean="0"/>
+              <a:t>MVVM</a:t>
+            </a:r>
+            <a:r>
+              <a:rPr lang="zh-CN" altLang="en-US" sz="1400" dirty="0" smtClean="0"/>
+              <a:t>的调用关系和</a:t>
+            </a:r>
+            <a:r>
+              <a:rPr lang="en-US" altLang="zh-CN" sz="1400" dirty="0" smtClean="0"/>
+              <a:t>MVP</a:t>
+            </a:r>
+            <a:r>
+              <a:rPr lang="zh-CN" altLang="en-US" sz="1400" dirty="0" smtClean="0"/>
+              <a:t>一样。但是，在</a:t>
+            </a:r>
+            <a:r>
+              <a:rPr lang="en-US" altLang="zh-CN" sz="1400" dirty="0" err="1" smtClean="0"/>
+              <a:t>ViewModel</a:t>
+            </a:r>
+            <a:r>
+              <a:rPr lang="zh-CN" altLang="en-US" sz="1400" dirty="0" smtClean="0"/>
+              <a:t>当中会有一个叫</a:t>
+            </a:r>
+            <a:r>
+              <a:rPr lang="en-US" altLang="zh-CN" sz="1400" dirty="0" smtClean="0"/>
+              <a:t>Binder</a:t>
+            </a:r>
+            <a:r>
+              <a:rPr lang="zh-CN" altLang="en-US" sz="1400" dirty="0" smtClean="0"/>
+              <a:t>，或者是</a:t>
+            </a:r>
+            <a:r>
+              <a:rPr lang="en-US" altLang="zh-CN" sz="1400" dirty="0" smtClean="0"/>
+              <a:t>Data-binding engine</a:t>
+            </a:r>
+            <a:r>
+              <a:rPr lang="zh-CN" altLang="en-US" sz="1400" dirty="0" smtClean="0"/>
+              <a:t>的东西。以前全部由</a:t>
+            </a:r>
+            <a:r>
+              <a:rPr lang="en-US" altLang="zh-CN" sz="1400" dirty="0" smtClean="0"/>
+              <a:t>Presenter</a:t>
+            </a:r>
+            <a:r>
+              <a:rPr lang="zh-CN" altLang="en-US" sz="1400" dirty="0" smtClean="0"/>
+              <a:t>负责的</a:t>
+            </a:r>
+            <a:r>
+              <a:rPr lang="en-US" altLang="zh-CN" sz="1400" dirty="0" smtClean="0"/>
+              <a:t>View</a:t>
+            </a:r>
+            <a:r>
+              <a:rPr lang="zh-CN" altLang="en-US" sz="1400" dirty="0" smtClean="0"/>
+              <a:t>和</a:t>
+            </a:r>
+            <a:r>
+              <a:rPr lang="en-US" altLang="zh-CN" sz="1400" dirty="0" smtClean="0"/>
+              <a:t>Model</a:t>
+            </a:r>
+            <a:r>
+              <a:rPr lang="zh-CN" altLang="en-US" sz="1400" dirty="0" smtClean="0"/>
+              <a:t>之间数据同步操作交由给</a:t>
+            </a:r>
+            <a:r>
+              <a:rPr lang="en-US" altLang="zh-CN" sz="1400" dirty="0" smtClean="0"/>
+              <a:t>Binder</a:t>
+            </a:r>
+            <a:r>
+              <a:rPr lang="zh-CN" altLang="en-US" sz="1400" dirty="0" smtClean="0"/>
+              <a:t>处理。你只需要在</a:t>
+            </a:r>
+            <a:r>
+              <a:rPr lang="en-US" altLang="zh-CN" sz="1400" dirty="0" smtClean="0"/>
+              <a:t>View</a:t>
+            </a:r>
+            <a:r>
+              <a:rPr lang="zh-CN" altLang="en-US" sz="1400" dirty="0" smtClean="0"/>
+              <a:t>的模版语法当中，指令式地声明</a:t>
+            </a:r>
+            <a:r>
+              <a:rPr lang="en-US" altLang="zh-CN" sz="1400" dirty="0" smtClean="0"/>
+              <a:t>View</a:t>
+            </a:r>
+            <a:r>
+              <a:rPr lang="zh-CN" altLang="en-US" sz="1400" dirty="0" smtClean="0"/>
+              <a:t>上的显示的内容是和</a:t>
+            </a:r>
+            <a:r>
+              <a:rPr lang="en-US" altLang="zh-CN" sz="1400" dirty="0" smtClean="0"/>
+              <a:t>Model</a:t>
+            </a:r>
+            <a:r>
+              <a:rPr lang="zh-CN" altLang="en-US" sz="1400" dirty="0" smtClean="0"/>
+              <a:t>的哪一块数据绑定的。当</a:t>
+            </a:r>
+            <a:r>
+              <a:rPr lang="en-US" altLang="zh-CN" sz="1400" dirty="0" err="1" smtClean="0"/>
+              <a:t>ViewModel</a:t>
+            </a:r>
+            <a:r>
+              <a:rPr lang="zh-CN" altLang="en-US" sz="1400" dirty="0" smtClean="0"/>
+              <a:t>对进行</a:t>
+            </a:r>
+            <a:r>
+              <a:rPr lang="en-US" altLang="zh-CN" sz="1400" dirty="0" smtClean="0"/>
+              <a:t>Model</a:t>
+            </a:r>
+            <a:r>
+              <a:rPr lang="zh-CN" altLang="en-US" sz="1400" dirty="0" smtClean="0"/>
+              <a:t>更新的时候，</a:t>
+            </a:r>
+            <a:r>
+              <a:rPr lang="en-US" altLang="zh-CN" sz="1400" dirty="0" smtClean="0"/>
+              <a:t>Binder</a:t>
+            </a:r>
+            <a:r>
+              <a:rPr lang="zh-CN" altLang="en-US" sz="1400" dirty="0" smtClean="0"/>
+              <a:t>会自动把数据更新到</a:t>
+            </a:r>
+            <a:r>
+              <a:rPr lang="en-US" altLang="zh-CN" sz="1400" dirty="0" smtClean="0"/>
+              <a:t>View</a:t>
+            </a:r>
+            <a:r>
+              <a:rPr lang="zh-CN" altLang="en-US" sz="1400" dirty="0" smtClean="0"/>
+              <a:t>上去，当用户对</a:t>
+            </a:r>
+            <a:r>
+              <a:rPr lang="en-US" altLang="zh-CN" sz="1400" dirty="0" smtClean="0"/>
+              <a:t>View</a:t>
+            </a:r>
+            <a:r>
+              <a:rPr lang="zh-CN" altLang="en-US" sz="1400" dirty="0" smtClean="0"/>
+              <a:t>进行操作（例如表单输入），</a:t>
+            </a:r>
+            <a:r>
+              <a:rPr lang="en-US" altLang="zh-CN" sz="1400" dirty="0" smtClean="0"/>
+              <a:t>Binder</a:t>
+            </a:r>
+            <a:r>
+              <a:rPr lang="zh-CN" altLang="en-US" sz="1400" dirty="0" smtClean="0"/>
+              <a:t>也会自动把数据更新到</a:t>
+            </a:r>
+            <a:r>
+              <a:rPr lang="en-US" altLang="zh-CN" sz="1400" dirty="0" smtClean="0"/>
+              <a:t>Model</a:t>
+            </a:r>
+            <a:r>
+              <a:rPr lang="zh-CN" altLang="en-US" sz="1400" dirty="0" smtClean="0"/>
+              <a:t>上去。这种方式称为：</a:t>
+            </a:r>
+            <a:r>
+              <a:rPr lang="en-US" altLang="zh-CN" sz="1400" dirty="0" smtClean="0"/>
+              <a:t>Two-way data-binding</a:t>
+            </a:r>
+            <a:r>
+              <a:rPr lang="zh-CN" altLang="en-US" sz="1400" dirty="0" smtClean="0"/>
+              <a:t>，双向数据绑定。可以简单而不恰当地理解为一个模版引擎，但是会根据数据变更实时渲染。</a:t>
+            </a:r>
+            <a:endParaRPr lang="zh-CN" altLang="en-US" sz="1400" dirty="0"/>
           </a:p>
         </p:txBody>
       </p:sp>
@@ -6030,42 +6422,43 @@
           <a:chExt cx="0" cy="0"/>
         </a:xfrm>
       </p:grpSpPr>
-      <p:pic>
-        <p:nvPicPr>
-          <p:cNvPr id="6" name="图片 5" descr="未标题-2.jpg"/>
-          <p:cNvPicPr>
-            <a:picLocks noChangeAspect="1"/>
-          </p:cNvPicPr>
+      <p:sp>
+        <p:nvSpPr>
+          <p:cNvPr id="4" name="TextBox 3"/>
+          <p:cNvSpPr txBox="1"/>
           <p:nvPr/>
-        </p:nvPicPr>
-        <p:blipFill>
-          <a:blip r:embed="rId2" cstate="print"/>
-          <a:stretch>
-            <a:fillRect/>
-          </a:stretch>
-        </p:blipFill>
+        </p:nvSpPr>
         <p:spPr>
           <a:xfrm>
-            <a:off x="0" y="730"/>
-            <a:ext cx="9144000" cy="5711952"/>
+            <a:off x="714348" y="499252"/>
+            <a:ext cx="3847335" cy="369332"/>
           </a:xfrm>
           <a:prstGeom prst="rect">
             <a:avLst/>
           </a:prstGeom>
+          <a:noFill/>
         </p:spPr>
-      </p:pic>
+        <p:txBody>
+          <a:bodyPr wrap="none" rtlCol="0">
+            <a:spAutoFit/>
+          </a:bodyPr>
+          <a:lstStyle/>
+          <a:p>
+            <a:r>
+              <a:rPr lang="en-US" altLang="zh-CN" dirty="0" smtClean="0">
+                <a:hlinkClick r:id="rId2"/>
+              </a:rPr>
+              <a:t>https://github.com/fastCreator/MVVM</a:t>
+            </a:r>
+            <a:endParaRPr lang="zh-CN" altLang="en-US" dirty="0"/>
+          </a:p>
+        </p:txBody>
+      </p:sp>
     </p:spTree>
   </p:cSld>
   <p:clrMapOvr>
     <a:masterClrMapping/>
   </p:clrMapOvr>
-  <p:timing>
-    <p:tnLst>
-      <p:par>
-        <p:cTn id="1" dur="indefinite" restart="never" nodeType="tmRoot"/>
-      </p:par>
-    </p:tnLst>
-  </p:timing>
 </p:sld>
 </file>
 

--- a/竞网ppt模板.pptx
+++ b/竞网ppt模板.pptx
@@ -5,7 +5,7 @@
     <p:sldMasterId id="2147483648" r:id="rId1"/>
   </p:sldMasterIdLst>
   <p:notesMasterIdLst>
-    <p:notesMasterId r:id="rId12"/>
+    <p:notesMasterId r:id="rId16"/>
   </p:notesMasterIdLst>
   <p:sldIdLst>
     <p:sldId id="256" r:id="rId2"/>
@@ -16,8 +16,12 @@
     <p:sldId id="265" r:id="rId7"/>
     <p:sldId id="263" r:id="rId8"/>
     <p:sldId id="266" r:id="rId9"/>
-    <p:sldId id="267" r:id="rId10"/>
-    <p:sldId id="259" r:id="rId11"/>
+    <p:sldId id="271" r:id="rId10"/>
+    <p:sldId id="270" r:id="rId11"/>
+    <p:sldId id="267" r:id="rId12"/>
+    <p:sldId id="268" r:id="rId13"/>
+    <p:sldId id="269" r:id="rId14"/>
+    <p:sldId id="259" r:id="rId15"/>
   </p:sldIdLst>
   <p:sldSz cx="9144000" cy="5713413"/>
   <p:notesSz cx="6858000" cy="9144000"/>
@@ -4041,6 +4045,603 @@
           <a:chExt cx="0" cy="0"/>
         </a:xfrm>
       </p:grpSpPr>
+      <p:sp>
+        <p:nvSpPr>
+          <p:cNvPr id="2" name="标题 1"/>
+          <p:cNvSpPr>
+            <a:spLocks noGrp="1"/>
+          </p:cNvSpPr>
+          <p:nvPr>
+            <p:ph type="title"/>
+          </p:nvPr>
+        </p:nvSpPr>
+        <p:spPr/>
+        <p:txBody>
+          <a:bodyPr/>
+          <a:lstStyle/>
+          <a:p>
+            <a:r>
+              <a:rPr lang="en-US" altLang="zh-CN" dirty="0" smtClean="0"/>
+              <a:t>a</a:t>
+            </a:r>
+            <a:r>
+              <a:rPr lang="en-US" altLang="zh-CN" dirty="0" smtClean="0"/>
+              <a:t>ngular</a:t>
+            </a:r>
+            <a:r>
+              <a:rPr lang="zh-CN" altLang="en-US" dirty="0" smtClean="0"/>
+              <a:t>与</a:t>
+            </a:r>
+            <a:r>
+              <a:rPr lang="en-US" altLang="zh-CN" dirty="0" err="1" smtClean="0"/>
+              <a:t>vue</a:t>
+            </a:r>
+            <a:endParaRPr lang="zh-CN" altLang="en-US" dirty="0"/>
+          </a:p>
+        </p:txBody>
+      </p:sp>
+      <p:sp>
+        <p:nvSpPr>
+          <p:cNvPr id="3" name="内容占位符 2"/>
+          <p:cNvSpPr>
+            <a:spLocks noGrp="1"/>
+          </p:cNvSpPr>
+          <p:nvPr>
+            <p:ph idx="1"/>
+          </p:nvPr>
+        </p:nvSpPr>
+        <p:spPr/>
+        <p:txBody>
+          <a:bodyPr>
+            <a:normAutofit/>
+          </a:bodyPr>
+          <a:lstStyle/>
+          <a:p>
+            <a:r>
+              <a:rPr lang="en-US" altLang="zh-CN" sz="1800" dirty="0" smtClean="0"/>
+              <a:t>1,</a:t>
+            </a:r>
+            <a:r>
+              <a:rPr lang="zh-CN" altLang="en-US" sz="1800" dirty="0" smtClean="0"/>
+              <a:t>从架构层次来说是同一个层次</a:t>
+            </a:r>
+            <a:endParaRPr lang="en-US" altLang="zh-CN" sz="1800" dirty="0" smtClean="0"/>
+          </a:p>
+          <a:p>
+            <a:r>
+              <a:rPr lang="en-US" altLang="zh-CN" sz="1800" dirty="0" smtClean="0"/>
+              <a:t>2,vue</a:t>
+            </a:r>
+            <a:r>
+              <a:rPr lang="zh-CN" altLang="en-US" sz="1800" dirty="0" smtClean="0"/>
+              <a:t>语法更为简单上手更快</a:t>
+            </a:r>
+            <a:endParaRPr lang="en-US" altLang="zh-CN" sz="1800" dirty="0" smtClean="0"/>
+          </a:p>
+          <a:p>
+            <a:r>
+              <a:rPr lang="en-US" altLang="zh-CN" sz="1800" dirty="0" smtClean="0"/>
+              <a:t>3,vue </a:t>
+            </a:r>
+            <a:r>
+              <a:rPr lang="zh-CN" altLang="en-US" sz="1800" dirty="0" smtClean="0"/>
+              <a:t>文档更容易阅读，</a:t>
+            </a:r>
+            <a:r>
+              <a:rPr lang="en-US" altLang="zh-CN" sz="1800" dirty="0" smtClean="0"/>
+              <a:t>angular</a:t>
+            </a:r>
+            <a:r>
+              <a:rPr lang="zh-CN" altLang="en-US" sz="1800" dirty="0" smtClean="0"/>
+              <a:t>英文，</a:t>
+            </a:r>
+            <a:r>
+              <a:rPr lang="en-US" altLang="zh-CN" sz="1800" dirty="0" err="1" smtClean="0"/>
+              <a:t>vue</a:t>
+            </a:r>
+            <a:r>
+              <a:rPr lang="zh-CN" altLang="en-US" sz="1800" dirty="0" smtClean="0"/>
+              <a:t>阿里巴巴</a:t>
+            </a:r>
+            <a:endParaRPr lang="en-US" altLang="zh-CN" sz="1800" dirty="0" smtClean="0"/>
+          </a:p>
+          <a:p>
+            <a:r>
+              <a:rPr lang="en-US" altLang="zh-CN" sz="1800" dirty="0" smtClean="0"/>
+              <a:t>4,</a:t>
+            </a:r>
+            <a:r>
+              <a:rPr lang="zh-CN" altLang="en-US" sz="1800" dirty="0" smtClean="0"/>
+              <a:t>性能更好，</a:t>
+            </a:r>
+            <a:r>
+              <a:rPr lang="en-US" altLang="zh-CN" sz="1800" dirty="0" smtClean="0"/>
+              <a:t>angular</a:t>
+            </a:r>
+            <a:r>
+              <a:rPr lang="zh-CN" altLang="en-US" sz="1800" dirty="0" smtClean="0"/>
+              <a:t>为轮询的脏值检测</a:t>
+            </a:r>
+            <a:r>
+              <a:rPr lang="en-US" altLang="zh-CN" sz="1800" dirty="0" smtClean="0"/>
+              <a:t>;</a:t>
+            </a:r>
+            <a:r>
+              <a:rPr lang="en-US" altLang="zh-CN" sz="1800" dirty="0" err="1" smtClean="0"/>
+              <a:t>vue</a:t>
+            </a:r>
+            <a:r>
+              <a:rPr lang="en-US" altLang="zh-CN" sz="1800" dirty="0" smtClean="0"/>
+              <a:t> </a:t>
+            </a:r>
+            <a:r>
+              <a:rPr lang="zh-CN" altLang="en-US" sz="1800" dirty="0" smtClean="0"/>
+              <a:t>基于</a:t>
+            </a:r>
+            <a:r>
+              <a:rPr lang="en-US" altLang="zh-CN" sz="1800" dirty="0" smtClean="0"/>
+              <a:t>get/</a:t>
+            </a:r>
+            <a:r>
+              <a:rPr lang="en-US" altLang="zh-CN" sz="1800" dirty="0" err="1" smtClean="0"/>
+              <a:t>set,vue</a:t>
+            </a:r>
+            <a:r>
+              <a:rPr lang="en-US" altLang="zh-CN" sz="1800" dirty="0" smtClean="0"/>
+              <a:t> 2.0</a:t>
+            </a:r>
+            <a:r>
+              <a:rPr lang="zh-CN" altLang="en-US" sz="1800" dirty="0" smtClean="0"/>
+              <a:t>有了虚拟</a:t>
+            </a:r>
+            <a:r>
+              <a:rPr lang="en-US" altLang="zh-CN" sz="1800" dirty="0" err="1" smtClean="0"/>
+              <a:t>dom</a:t>
+            </a:r>
+            <a:endParaRPr lang="en-US" altLang="zh-CN" sz="1800" dirty="0" smtClean="0"/>
+          </a:p>
+          <a:p>
+            <a:r>
+              <a:rPr lang="en-US" altLang="zh-CN" sz="1800" dirty="0" smtClean="0"/>
+              <a:t>5,</a:t>
+            </a:r>
+            <a:r>
+              <a:rPr lang="zh-CN" altLang="en-US" sz="1800" dirty="0" smtClean="0"/>
+              <a:t>更好的生态</a:t>
+            </a:r>
+            <a:r>
+              <a:rPr lang="en-US" altLang="zh-CN" sz="1800" dirty="0" smtClean="0"/>
+              <a:t>(</a:t>
+            </a:r>
+            <a:r>
+              <a:rPr lang="en-US" altLang="zh-CN" sz="1800" dirty="0" err="1" smtClean="0"/>
+              <a:t>weex</a:t>
+            </a:r>
+            <a:r>
+              <a:rPr lang="en-US" altLang="zh-CN" sz="1800" dirty="0" smtClean="0"/>
+              <a:t> ,</a:t>
+            </a:r>
+            <a:r>
+              <a:rPr lang="zh-CN" altLang="en-US" sz="1800" dirty="0" smtClean="0"/>
+              <a:t>服务端渲染等</a:t>
+            </a:r>
+            <a:r>
+              <a:rPr lang="en-US" altLang="zh-CN" sz="1800" dirty="0" smtClean="0"/>
+              <a:t>)</a:t>
+            </a:r>
+            <a:r>
+              <a:rPr lang="zh-CN" altLang="en-US" sz="1800" dirty="0" smtClean="0"/>
+              <a:t>，</a:t>
+            </a:r>
+            <a:r>
+              <a:rPr lang="en-US" altLang="zh-CN" sz="1800" dirty="0" err="1" smtClean="0"/>
+              <a:t>vue</a:t>
+            </a:r>
+            <a:r>
+              <a:rPr lang="zh-CN" altLang="en-US" sz="1800" dirty="0" smtClean="0"/>
+              <a:t>处于快速上升期</a:t>
+            </a:r>
+            <a:endParaRPr lang="en-US" altLang="zh-CN" sz="1800" dirty="0" smtClean="0"/>
+          </a:p>
+        </p:txBody>
+      </p:sp>
+    </p:spTree>
+  </p:cSld>
+  <p:clrMapOvr>
+    <a:masterClrMapping/>
+  </p:clrMapOvr>
+</p:sld>
+</file>
+
+<file path=ppt/slides/slide11.xml><?xml version="1.0" encoding="utf-8"?>
+<p:sld xmlns:a="http://schemas.openxmlformats.org/drawingml/2006/main" xmlns:r="http://schemas.openxmlformats.org/officeDocument/2006/relationships" xmlns:p="http://schemas.openxmlformats.org/presentationml/2006/main">
+  <p:cSld>
+    <p:spTree>
+      <p:nvGrpSpPr>
+        <p:cNvPr id="1" name=""/>
+        <p:cNvGrpSpPr/>
+        <p:nvPr/>
+      </p:nvGrpSpPr>
+      <p:grpSpPr>
+        <a:xfrm>
+          <a:off x="0" y="0"/>
+          <a:ext cx="0" cy="0"/>
+          <a:chOff x="0" y="0"/>
+          <a:chExt cx="0" cy="0"/>
+        </a:xfrm>
+      </p:grpSpPr>
+      <p:sp>
+        <p:nvSpPr>
+          <p:cNvPr id="4" name="TextBox 3"/>
+          <p:cNvSpPr txBox="1"/>
+          <p:nvPr/>
+        </p:nvSpPr>
+        <p:spPr>
+          <a:xfrm>
+            <a:off x="714348" y="499252"/>
+            <a:ext cx="3847335" cy="369332"/>
+          </a:xfrm>
+          <a:prstGeom prst="rect">
+            <a:avLst/>
+          </a:prstGeom>
+          <a:noFill/>
+        </p:spPr>
+        <p:txBody>
+          <a:bodyPr wrap="none" rtlCol="0">
+            <a:spAutoFit/>
+          </a:bodyPr>
+          <a:lstStyle/>
+          <a:p>
+            <a:r>
+              <a:rPr lang="en-US" altLang="zh-CN" dirty="0" smtClean="0">
+                <a:hlinkClick r:id="rId2"/>
+              </a:rPr>
+              <a:t>https://github.com/fastCreator/MVVM</a:t>
+            </a:r>
+            <a:endParaRPr lang="zh-CN" altLang="en-US" dirty="0"/>
+          </a:p>
+        </p:txBody>
+      </p:sp>
+      <p:sp>
+        <p:nvSpPr>
+          <p:cNvPr id="5" name="TextBox 4"/>
+          <p:cNvSpPr txBox="1"/>
+          <p:nvPr/>
+        </p:nvSpPr>
+        <p:spPr>
+          <a:xfrm>
+            <a:off x="857224" y="1213632"/>
+            <a:ext cx="7929618" cy="3970318"/>
+          </a:xfrm>
+          <a:prstGeom prst="rect">
+            <a:avLst/>
+          </a:prstGeom>
+          <a:noFill/>
+        </p:spPr>
+        <p:txBody>
+          <a:bodyPr wrap="square" rtlCol="0">
+            <a:spAutoFit/>
+          </a:bodyPr>
+          <a:lstStyle/>
+          <a:p>
+            <a:r>
+              <a:rPr lang="en-US" altLang="zh-CN" dirty="0" smtClean="0"/>
+              <a:t>1</a:t>
+            </a:r>
+            <a:r>
+              <a:rPr lang="zh-CN" altLang="en-US" dirty="0" smtClean="0"/>
+              <a:t>，</a:t>
+            </a:r>
+            <a:r>
+              <a:rPr lang="en-US" altLang="zh-CN" dirty="0" err="1" smtClean="0"/>
+              <a:t>htmlParse</a:t>
+            </a:r>
+            <a:r>
+              <a:rPr lang="en-US" altLang="zh-CN" dirty="0" smtClean="0"/>
+              <a:t>,</a:t>
+            </a:r>
+            <a:r>
+              <a:rPr lang="en-US" dirty="0" smtClean="0"/>
+              <a:t> Virtual </a:t>
+            </a:r>
+            <a:r>
+              <a:rPr lang="en-US" dirty="0" err="1" smtClean="0"/>
+              <a:t>DOM,observer</a:t>
+            </a:r>
+            <a:endParaRPr lang="en-US" dirty="0" smtClean="0"/>
+          </a:p>
+          <a:p>
+            <a:endParaRPr lang="en-US" dirty="0" smtClean="0"/>
+          </a:p>
+          <a:p>
+            <a:r>
+              <a:rPr lang="zh-CN" altLang="en-US" dirty="0" smtClean="0"/>
+              <a:t>解析</a:t>
+            </a:r>
+            <a:r>
+              <a:rPr lang="en-US" altLang="zh-CN" dirty="0" smtClean="0"/>
+              <a:t>html</a:t>
+            </a:r>
+            <a:endParaRPr lang="en-US" dirty="0" smtClean="0"/>
+          </a:p>
+          <a:p>
+            <a:endParaRPr lang="en-US" dirty="0" smtClean="0"/>
+          </a:p>
+          <a:p>
+            <a:r>
+              <a:rPr lang="zh-CN" altLang="en-US" dirty="0" smtClean="0"/>
+              <a:t>步骤</a:t>
+            </a:r>
+            <a:r>
+              <a:rPr lang="zh-CN" altLang="en-US" dirty="0" smtClean="0"/>
+              <a:t>一：用</a:t>
+            </a:r>
+            <a:r>
+              <a:rPr lang="en-US" altLang="zh-CN" dirty="0" smtClean="0"/>
+              <a:t>JS</a:t>
+            </a:r>
+            <a:r>
+              <a:rPr lang="zh-CN" altLang="en-US" dirty="0" smtClean="0"/>
+              <a:t>对象模拟</a:t>
+            </a:r>
+            <a:r>
+              <a:rPr lang="en-US" altLang="zh-CN" dirty="0" smtClean="0"/>
+              <a:t>DOM</a:t>
+            </a:r>
+            <a:r>
+              <a:rPr lang="zh-CN" altLang="en-US" dirty="0" smtClean="0"/>
+              <a:t>树</a:t>
+            </a:r>
+          </a:p>
+          <a:p>
+            <a:r>
+              <a:rPr lang="zh-CN" altLang="en-US" dirty="0" smtClean="0"/>
+              <a:t>步骤</a:t>
+            </a:r>
+            <a:r>
+              <a:rPr lang="zh-CN" altLang="en-US" dirty="0" smtClean="0"/>
+              <a:t>二：比较两棵虚拟</a:t>
+            </a:r>
+            <a:r>
+              <a:rPr lang="en-US" altLang="zh-CN" dirty="0" smtClean="0"/>
+              <a:t>DOM</a:t>
+            </a:r>
+            <a:r>
+              <a:rPr lang="zh-CN" altLang="en-US" dirty="0" smtClean="0"/>
+              <a:t>树的差异</a:t>
+            </a:r>
+          </a:p>
+          <a:p>
+            <a:r>
+              <a:rPr lang="zh-CN" altLang="en-US" dirty="0" smtClean="0"/>
+              <a:t>步骤</a:t>
+            </a:r>
+            <a:r>
+              <a:rPr lang="zh-CN" altLang="en-US" dirty="0" smtClean="0"/>
+              <a:t>三：把差异应用到真正的</a:t>
+            </a:r>
+            <a:r>
+              <a:rPr lang="en-US" altLang="zh-CN" dirty="0" smtClean="0"/>
+              <a:t>DOM</a:t>
+            </a:r>
+            <a:r>
+              <a:rPr lang="zh-CN" altLang="en-US" dirty="0" smtClean="0"/>
+              <a:t>树</a:t>
+            </a:r>
+            <a:r>
+              <a:rPr lang="zh-CN" altLang="en-US" dirty="0" smtClean="0"/>
+              <a:t>上</a:t>
+            </a:r>
+            <a:endParaRPr lang="en-US" altLang="zh-CN" dirty="0" smtClean="0"/>
+          </a:p>
+          <a:p>
+            <a:endParaRPr lang="zh-CN" altLang="en-US" dirty="0" smtClean="0"/>
+          </a:p>
+          <a:p>
+            <a:r>
+              <a:rPr lang="en-US" altLang="zh-CN" dirty="0" smtClean="0"/>
+              <a:t>Get/set  demo</a:t>
+            </a:r>
+          </a:p>
+          <a:p>
+            <a:endParaRPr lang="en-US" altLang="zh-CN" dirty="0" smtClean="0"/>
+          </a:p>
+          <a:p>
+            <a:r>
+              <a:rPr lang="en-US" altLang="zh-CN" dirty="0" smtClean="0"/>
+              <a:t>(</a:t>
+            </a:r>
+            <a:r>
+              <a:rPr lang="zh-CN" altLang="en-US" dirty="0" smtClean="0"/>
+              <a:t>针对有</a:t>
+            </a:r>
+            <a:r>
+              <a:rPr lang="en-US" altLang="zh-CN" dirty="0" smtClean="0"/>
+              <a:t>VUE</a:t>
+            </a:r>
+            <a:r>
+              <a:rPr lang="zh-CN" altLang="en-US" dirty="0" smtClean="0"/>
+              <a:t>代码基础</a:t>
+            </a:r>
+            <a:r>
+              <a:rPr lang="en-US" altLang="zh-CN" dirty="0" smtClean="0"/>
+              <a:t>)</a:t>
+            </a:r>
+          </a:p>
+          <a:p>
+            <a:r>
+              <a:rPr lang="en-US" altLang="zh-CN" dirty="0" smtClean="0"/>
+              <a:t>2</a:t>
+            </a:r>
+            <a:r>
+              <a:rPr lang="zh-CN" altLang="en-US" dirty="0" smtClean="0"/>
+              <a:t>，整体代码概述</a:t>
+            </a:r>
+            <a:endParaRPr lang="en-US" altLang="zh-CN" dirty="0" smtClean="0"/>
+          </a:p>
+          <a:p>
+            <a:r>
+              <a:rPr lang="en-US" b="1" dirty="0" smtClean="0"/>
+              <a:t>3,    </a:t>
+            </a:r>
+            <a:r>
+              <a:rPr lang="en-US" b="1" dirty="0" err="1" smtClean="0"/>
+              <a:t>nextTick</a:t>
+            </a:r>
+            <a:r>
+              <a:rPr lang="zh-CN" altLang="en-US" b="1" dirty="0" smtClean="0"/>
+              <a:t>，</a:t>
+            </a:r>
+            <a:r>
+              <a:rPr lang="en-US" b="1" dirty="0" smtClean="0"/>
+              <a:t>cache</a:t>
+            </a:r>
+            <a:endParaRPr lang="en-US" altLang="zh-CN" dirty="0" smtClean="0"/>
+          </a:p>
+          <a:p>
+            <a:r>
+              <a:rPr lang="en-US" altLang="zh-CN" dirty="0" smtClean="0"/>
+              <a:t>4,    </a:t>
+            </a:r>
+            <a:r>
+              <a:rPr lang="zh-CN" altLang="en-US" dirty="0" smtClean="0"/>
+              <a:t>深入讲解</a:t>
+            </a:r>
+            <a:r>
+              <a:rPr lang="en-US" dirty="0" smtClean="0"/>
+              <a:t>observer</a:t>
+            </a:r>
+            <a:endParaRPr lang="en-US" altLang="zh-CN" dirty="0" smtClean="0"/>
+          </a:p>
+        </p:txBody>
+      </p:sp>
+    </p:spTree>
+  </p:cSld>
+  <p:clrMapOvr>
+    <a:masterClrMapping/>
+  </p:clrMapOvr>
+</p:sld>
+</file>
+
+<file path=ppt/slides/slide12.xml><?xml version="1.0" encoding="utf-8"?>
+<p:sld xmlns:a="http://schemas.openxmlformats.org/drawingml/2006/main" xmlns:r="http://schemas.openxmlformats.org/officeDocument/2006/relationships" xmlns:p="http://schemas.openxmlformats.org/presentationml/2006/main">
+  <p:cSld>
+    <p:spTree>
+      <p:nvGrpSpPr>
+        <p:cNvPr id="1" name=""/>
+        <p:cNvGrpSpPr/>
+        <p:nvPr/>
+      </p:nvGrpSpPr>
+      <p:grpSpPr>
+        <a:xfrm>
+          <a:off x="0" y="0"/>
+          <a:ext cx="0" cy="0"/>
+          <a:chOff x="0" y="0"/>
+          <a:chExt cx="0" cy="0"/>
+        </a:xfrm>
+      </p:grpSpPr>
+      <p:pic>
+        <p:nvPicPr>
+          <p:cNvPr id="1026" name="Picture 2" descr="目录结构"/>
+          <p:cNvPicPr>
+            <a:picLocks noChangeAspect="1" noChangeArrowheads="1"/>
+          </p:cNvPicPr>
+          <p:nvPr/>
+        </p:nvPicPr>
+        <p:blipFill>
+          <a:blip r:embed="rId2"/>
+          <a:srcRect/>
+          <a:stretch>
+            <a:fillRect/>
+          </a:stretch>
+        </p:blipFill>
+        <p:spPr bwMode="auto">
+          <a:xfrm>
+            <a:off x="-1" y="0"/>
+            <a:ext cx="9136773" cy="4999846"/>
+          </a:xfrm>
+          <a:prstGeom prst="rect">
+            <a:avLst/>
+          </a:prstGeom>
+          <a:noFill/>
+        </p:spPr>
+      </p:pic>
+    </p:spTree>
+  </p:cSld>
+  <p:clrMapOvr>
+    <a:masterClrMapping/>
+  </p:clrMapOvr>
+</p:sld>
+</file>
+
+<file path=ppt/slides/slide13.xml><?xml version="1.0" encoding="utf-8"?>
+<p:sld xmlns:a="http://schemas.openxmlformats.org/drawingml/2006/main" xmlns:r="http://schemas.openxmlformats.org/officeDocument/2006/relationships" xmlns:p="http://schemas.openxmlformats.org/presentationml/2006/main">
+  <p:cSld>
+    <p:spTree>
+      <p:nvGrpSpPr>
+        <p:cNvPr id="1" name=""/>
+        <p:cNvGrpSpPr/>
+        <p:nvPr/>
+      </p:nvGrpSpPr>
+      <p:grpSpPr>
+        <a:xfrm>
+          <a:off x="0" y="0"/>
+          <a:ext cx="0" cy="0"/>
+          <a:chOff x="0" y="0"/>
+          <a:chExt cx="0" cy="0"/>
+        </a:xfrm>
+      </p:grpSpPr>
+      <p:pic>
+        <p:nvPicPr>
+          <p:cNvPr id="29698" name="Picture 2" descr="data"/>
+          <p:cNvPicPr>
+            <a:picLocks noChangeAspect="1" noChangeArrowheads="1"/>
+          </p:cNvPicPr>
+          <p:nvPr/>
+        </p:nvPicPr>
+        <p:blipFill>
+          <a:blip r:embed="rId2"/>
+          <a:srcRect/>
+          <a:stretch>
+            <a:fillRect/>
+          </a:stretch>
+        </p:blipFill>
+        <p:spPr bwMode="auto">
+          <a:xfrm>
+            <a:off x="0" y="142062"/>
+            <a:ext cx="8786874" cy="4856970"/>
+          </a:xfrm>
+          <a:prstGeom prst="rect">
+            <a:avLst/>
+          </a:prstGeom>
+          <a:noFill/>
+        </p:spPr>
+      </p:pic>
+    </p:spTree>
+  </p:cSld>
+  <p:clrMapOvr>
+    <a:masterClrMapping/>
+  </p:clrMapOvr>
+</p:sld>
+</file>
+
+<file path=ppt/slides/slide14.xml><?xml version="1.0" encoding="utf-8"?>
+<p:sld xmlns:a="http://schemas.openxmlformats.org/drawingml/2006/main" xmlns:r="http://schemas.openxmlformats.org/officeDocument/2006/relationships" xmlns:p="http://schemas.openxmlformats.org/presentationml/2006/main">
+  <p:cSld>
+    <p:spTree>
+      <p:nvGrpSpPr>
+        <p:cNvPr id="1" name=""/>
+        <p:cNvGrpSpPr/>
+        <p:nvPr/>
+      </p:nvGrpSpPr>
+      <p:grpSpPr>
+        <a:xfrm>
+          <a:off x="0" y="0"/>
+          <a:ext cx="0" cy="0"/>
+          <a:chOff x="0" y="0"/>
+          <a:chExt cx="0" cy="0"/>
+        </a:xfrm>
+      </p:grpSpPr>
       <p:pic>
         <p:nvPicPr>
           <p:cNvPr id="6" name="图片 5" descr="未标题-2.jpg"/>
@@ -4282,15 +4883,7 @@
           <a:p>
             <a:r>
               <a:rPr lang="zh-CN" altLang="en-US" dirty="0" smtClean="0"/>
-              <a:t>  </a:t>
-            </a:r>
-            <a:r>
-              <a:rPr lang="zh-CN" altLang="en-US" dirty="0" smtClean="0"/>
-              <a:t>   做</a:t>
-            </a:r>
-            <a:r>
-              <a:rPr lang="zh-CN" altLang="en-US" dirty="0" smtClean="0"/>
-              <a:t>客户端开发、前端开发对</a:t>
+              <a:t>     做客户端开发、前端开发对</a:t>
             </a:r>
             <a:r>
               <a:rPr lang="en-US" altLang="zh-CN" dirty="0" smtClean="0"/>
@@ -4314,7 +4907,19 @@
             </a:r>
             <a:r>
               <a:rPr lang="zh-CN" altLang="en-US" dirty="0" smtClean="0"/>
-              <a:t>这些名词不了解也应该大致听过，都是为了解决图形界面应用程序复杂性管理问题而产生的应用架构模式。</a:t>
+              <a:t>这些名词不了解也应该大致听过，都是为了解决图形界面应用程序复杂性管理问题而产生的应用</a:t>
+            </a:r>
+            <a:r>
+              <a:rPr lang="zh-CN" altLang="en-US" dirty="0" smtClean="0">
+                <a:solidFill>
+                  <a:srgbClr val="FF0000"/>
+                </a:solidFill>
+              </a:rPr>
+              <a:t>架构模式</a:t>
+            </a:r>
+            <a:r>
+              <a:rPr lang="zh-CN" altLang="en-US" dirty="0" smtClean="0"/>
+              <a:t>。</a:t>
             </a:r>
             <a:endParaRPr lang="en-US" altLang="zh-CN" dirty="0" smtClean="0"/>
           </a:p>
@@ -4325,11 +4930,7 @@
             </a:r>
             <a:r>
               <a:rPr lang="zh-CN" altLang="en-US" dirty="0" smtClean="0"/>
-              <a:t>在</a:t>
-            </a:r>
-            <a:r>
-              <a:rPr lang="zh-CN" altLang="en-US" dirty="0" smtClean="0"/>
-              <a:t>开发应用程序的时候，以求更好的管理应用程序的复杂性，基于职责分离（</a:t>
+              <a:t>在开发应用程序的时候，以求更好的管理应用程序的复杂性，基于职责分离（</a:t>
             </a:r>
             <a:r>
               <a:rPr lang="en-US" altLang="zh-CN" dirty="0" err="1" smtClean="0"/>
@@ -4874,50 +5475,6 @@
           <a:chExt cx="0" cy="0"/>
         </a:xfrm>
       </p:grpSpPr>
-      <p:sp>
-        <p:nvSpPr>
-          <p:cNvPr id="4" name="TextBox 3"/>
-          <p:cNvSpPr txBox="1"/>
-          <p:nvPr/>
-        </p:nvSpPr>
-        <p:spPr>
-          <a:xfrm>
-            <a:off x="428596" y="213500"/>
-            <a:ext cx="2870594" cy="369332"/>
-          </a:xfrm>
-          <a:prstGeom prst="rect">
-            <a:avLst/>
-          </a:prstGeom>
-          <a:noFill/>
-        </p:spPr>
-        <p:txBody>
-          <a:bodyPr wrap="none" rtlCol="0">
-            <a:spAutoFit/>
-          </a:bodyPr>
-          <a:lstStyle/>
-          <a:p>
-            <a:r>
-              <a:rPr lang="en-US" dirty="0" smtClean="0">
-                <a:hlinkClick r:id="rId3"/>
-              </a:rPr>
-              <a:t>MVC</a:t>
-            </a:r>
-            <a:r>
-              <a:rPr lang="zh-CN" altLang="en-US" dirty="0" smtClean="0">
-                <a:hlinkClick r:id="rId3"/>
-              </a:rPr>
-              <a:t>模式的</a:t>
-            </a:r>
-            <a:r>
-              <a:rPr lang="en-US" dirty="0" smtClean="0">
-                <a:hlinkClick r:id="rId3"/>
-              </a:rPr>
-              <a:t>JavaScript Demo</a:t>
-            </a:r>
-            <a:endParaRPr lang="zh-CN" altLang="en-US" dirty="0"/>
-          </a:p>
-        </p:txBody>
-      </p:sp>
       <p:sp>
         <p:nvSpPr>
           <p:cNvPr id="5" name="TextBox 4"/>
@@ -5442,50 +5999,6 @@
       </p:grpSpPr>
       <p:sp>
         <p:nvSpPr>
-          <p:cNvPr id="4" name="TextBox 3"/>
-          <p:cNvSpPr txBox="1"/>
-          <p:nvPr/>
-        </p:nvSpPr>
-        <p:spPr>
-          <a:xfrm>
-            <a:off x="428596" y="213500"/>
-            <a:ext cx="2870594" cy="369332"/>
-          </a:xfrm>
-          <a:prstGeom prst="rect">
-            <a:avLst/>
-          </a:prstGeom>
-          <a:noFill/>
-        </p:spPr>
-        <p:txBody>
-          <a:bodyPr wrap="none" rtlCol="0">
-            <a:spAutoFit/>
-          </a:bodyPr>
-          <a:lstStyle/>
-          <a:p>
-            <a:r>
-              <a:rPr lang="en-US" dirty="0" smtClean="0">
-                <a:hlinkClick r:id="rId2"/>
-              </a:rPr>
-              <a:t>MVC</a:t>
-            </a:r>
-            <a:r>
-              <a:rPr lang="zh-CN" altLang="en-US" dirty="0" smtClean="0">
-                <a:hlinkClick r:id="rId2"/>
-              </a:rPr>
-              <a:t>模式的</a:t>
-            </a:r>
-            <a:r>
-              <a:rPr lang="en-US" dirty="0" smtClean="0">
-                <a:hlinkClick r:id="rId2"/>
-              </a:rPr>
-              <a:t>JavaScript Demo</a:t>
-            </a:r>
-            <a:endParaRPr lang="zh-CN" altLang="en-US" dirty="0"/>
-          </a:p>
-        </p:txBody>
-      </p:sp>
-      <p:sp>
-        <p:nvSpPr>
           <p:cNvPr id="5" name="TextBox 4"/>
           <p:cNvSpPr txBox="1"/>
           <p:nvPr/>
@@ -5602,7 +6115,7 @@
             </a:r>
             <a:r>
               <a:rPr lang="zh-CN" altLang="en-US" sz="1600" dirty="0" smtClean="0">
-                <a:hlinkClick r:id="rId3"/>
+                <a:hlinkClick r:id="rId2"/>
               </a:rPr>
               <a:t>单元测试样例</a:t>
             </a:r>
@@ -5710,11 +6223,7 @@
           <a:p>
             <a:r>
               <a:rPr lang="zh-CN" altLang="en-US" sz="1600" dirty="0" smtClean="0"/>
-              <a:t>    </a:t>
-            </a:r>
-            <a:r>
-              <a:rPr lang="zh-CN" altLang="en-US" sz="1600" dirty="0" smtClean="0"/>
-              <a:t> </a:t>
+              <a:t>     </a:t>
             </a:r>
             <a:r>
               <a:rPr lang="en-US" sz="1600" dirty="0" smtClean="0"/>
@@ -5956,50 +6465,6 @@
       </p:grpSpPr>
       <p:sp>
         <p:nvSpPr>
-          <p:cNvPr id="4" name="TextBox 3"/>
-          <p:cNvSpPr txBox="1"/>
-          <p:nvPr/>
-        </p:nvSpPr>
-        <p:spPr>
-          <a:xfrm>
-            <a:off x="428596" y="213500"/>
-            <a:ext cx="2870594" cy="369332"/>
-          </a:xfrm>
-          <a:prstGeom prst="rect">
-            <a:avLst/>
-          </a:prstGeom>
-          <a:noFill/>
-        </p:spPr>
-        <p:txBody>
-          <a:bodyPr wrap="none" rtlCol="0">
-            <a:spAutoFit/>
-          </a:bodyPr>
-          <a:lstStyle/>
-          <a:p>
-            <a:r>
-              <a:rPr lang="en-US" dirty="0" smtClean="0">
-                <a:hlinkClick r:id="rId2"/>
-              </a:rPr>
-              <a:t>MVC</a:t>
-            </a:r>
-            <a:r>
-              <a:rPr lang="zh-CN" altLang="en-US" dirty="0" smtClean="0">
-                <a:hlinkClick r:id="rId2"/>
-              </a:rPr>
-              <a:t>模式的</a:t>
-            </a:r>
-            <a:r>
-              <a:rPr lang="en-US" dirty="0" smtClean="0">
-                <a:hlinkClick r:id="rId2"/>
-              </a:rPr>
-              <a:t>JavaScript Demo</a:t>
-            </a:r>
-            <a:endParaRPr lang="zh-CN" altLang="en-US" dirty="0"/>
-          </a:p>
-        </p:txBody>
-      </p:sp>
-      <p:sp>
-        <p:nvSpPr>
           <p:cNvPr id="5" name="TextBox 4"/>
           <p:cNvSpPr txBox="1"/>
           <p:nvPr/>
@@ -6152,15 +6617,7 @@
           <a:p>
             <a:r>
               <a:rPr lang="zh-CN" altLang="en-US" sz="1600" dirty="0" smtClean="0"/>
-              <a:t>      </a:t>
-            </a:r>
-            <a:r>
-              <a:rPr lang="zh-CN" altLang="en-US" sz="1600" dirty="0" smtClean="0"/>
-              <a:t>过于</a:t>
-            </a:r>
-            <a:r>
-              <a:rPr lang="zh-CN" altLang="en-US" sz="1600" dirty="0" smtClean="0"/>
-              <a:t>简单的图形界面不适用，或说牛刀杀鸡。</a:t>
+              <a:t>      过于简单的图形界面不适用，或说牛刀杀鸡。</a:t>
             </a:r>
           </a:p>
           <a:p>
@@ -6430,8 +6887,8 @@
         </p:nvSpPr>
         <p:spPr>
           <a:xfrm>
-            <a:off x="714348" y="499252"/>
-            <a:ext cx="3847335" cy="369332"/>
+            <a:off x="714348" y="356376"/>
+            <a:ext cx="5828199" cy="646331"/>
           </a:xfrm>
           <a:prstGeom prst="rect">
             <a:avLst/>
@@ -6445,11 +6902,68 @@
           <a:lstStyle/>
           <a:p>
             <a:r>
+              <a:rPr lang="zh-CN" altLang="en-US" dirty="0" smtClean="0">
+                <a:solidFill>
+                  <a:srgbClr val="FF0000"/>
+                </a:solidFill>
+              </a:rPr>
+              <a:t>我们讲完</a:t>
+            </a:r>
+            <a:r>
+              <a:rPr lang="en-US" altLang="zh-CN" dirty="0" err="1" smtClean="0">
+                <a:solidFill>
+                  <a:srgbClr val="FF0000"/>
+                </a:solidFill>
+              </a:rPr>
+              <a:t>mv</a:t>
+            </a:r>
+            <a:r>
               <a:rPr lang="en-US" altLang="zh-CN" dirty="0" smtClean="0">
-                <a:hlinkClick r:id="rId2"/>
+                <a:solidFill>
+                  <a:srgbClr val="FF0000"/>
+                </a:solidFill>
               </a:rPr>
-              <a:t>https://github.com/fastCreator/MVVM</a:t>
-            </a:r>
+              <a:t>*</a:t>
+            </a:r>
+            <a:r>
+              <a:rPr lang="zh-CN" altLang="en-US" dirty="0" smtClean="0">
+                <a:solidFill>
+                  <a:srgbClr val="FF0000"/>
+                </a:solidFill>
+              </a:rPr>
+              <a:t>发展历史</a:t>
+            </a:r>
+            <a:r>
+              <a:rPr lang="en-US" altLang="zh-CN" dirty="0" smtClean="0">
+                <a:solidFill>
+                  <a:srgbClr val="FF0000"/>
+                </a:solidFill>
+              </a:rPr>
+              <a:t>,</a:t>
+            </a:r>
+            <a:r>
+              <a:rPr lang="zh-CN" altLang="en-US" dirty="0" smtClean="0">
+                <a:solidFill>
+                  <a:srgbClr val="FF0000"/>
+                </a:solidFill>
+              </a:rPr>
+              <a:t>请童鞋们想想未来的架构是什么</a:t>
+            </a:r>
+            <a:r>
+              <a:rPr lang="en-US" altLang="zh-CN" dirty="0" smtClean="0">
+                <a:solidFill>
+                  <a:srgbClr val="FF0000"/>
+                </a:solidFill>
+              </a:rPr>
+              <a:t>?</a:t>
+            </a:r>
+            <a:endParaRPr lang="zh-CN" altLang="en-US" dirty="0" smtClean="0">
+              <a:solidFill>
+                <a:srgbClr val="FF0000"/>
+              </a:solidFill>
+            </a:endParaRPr>
+          </a:p>
+          <a:p>
             <a:endParaRPr lang="zh-CN" altLang="en-US" dirty="0"/>
           </a:p>
         </p:txBody>
